--- a/Презентация 8.pptx
+++ b/Презентация 8.pptx
@@ -5,10 +5,10 @@
     <p:sldMasterId id="2147483713" r:id="rId1"/>
   </p:sldMasterIdLst>
   <p:notesMasterIdLst>
-    <p:notesMasterId r:id="rId10"/>
+    <p:notesMasterId r:id="rId11"/>
   </p:notesMasterIdLst>
   <p:handoutMasterIdLst>
-    <p:handoutMasterId r:id="rId11"/>
+    <p:handoutMasterId r:id="rId12"/>
   </p:handoutMasterIdLst>
   <p:sldIdLst>
     <p:sldId id="256" r:id="rId2"/>
@@ -17,8 +17,9 @@
     <p:sldId id="259" r:id="rId5"/>
     <p:sldId id="260" r:id="rId6"/>
     <p:sldId id="265" r:id="rId7"/>
-    <p:sldId id="262" r:id="rId8"/>
-    <p:sldId id="263" r:id="rId9"/>
+    <p:sldId id="266" r:id="rId8"/>
+    <p:sldId id="267" r:id="rId9"/>
+    <p:sldId id="262" r:id="rId10"/>
   </p:sldIdLst>
   <p:sldSz cx="12192000" cy="6858000"/>
   <p:notesSz cx="6858000" cy="9144000"/>
@@ -234,7 +235,7 @@
           <a:p>
             <a:fld id="{EBB1914F-10A9-40A3-A940-8F1B8A5BF089}" type="datetime1">
               <a:rPr lang="ru-RU" smtClean="0"/>
-              <a:t>17.02.2022</a:t>
+              <a:t>20.04.2022</a:t>
             </a:fld>
             <a:endParaRPr lang="ru-RU"/>
           </a:p>
@@ -413,7 +414,7 @@
             <a:fld id="{887B87F8-0C72-4FC5-AC91-AA854A087DC3}" type="datetime1">
               <a:rPr lang="ru-RU" smtClean="0"/>
               <a:pPr/>
-              <a:t>17.02.2022</a:t>
+              <a:t>20.04.2022</a:t>
             </a:fld>
             <a:endParaRPr lang="ru-RU" dirty="0"/>
           </a:p>
@@ -949,7 +950,7 @@
           <a:p>
             <a:fld id="{4AAD347D-5ACD-4C99-B74B-A9C85AD731AF}" type="datetimeFigureOut">
               <a:rPr lang="en-US" dirty="0"/>
-              <a:t>2/17/2022</a:t>
+              <a:t>4/20/2022</a:t>
             </a:fld>
             <a:endParaRPr lang="en-US" dirty="0"/>
           </a:p>
@@ -1220,7 +1221,7 @@
           <a:p>
             <a:fld id="{4509A250-FF31-4206-8172-F9D3106AACB1}" type="datetimeFigureOut">
               <a:rPr lang="en-US" dirty="0"/>
-              <a:t>2/17/2022</a:t>
+              <a:t>4/20/2022</a:t>
             </a:fld>
             <a:endParaRPr lang="en-US" dirty="0"/>
           </a:p>
@@ -1414,7 +1415,7 @@
           <a:p>
             <a:fld id="{4509A250-FF31-4206-8172-F9D3106AACB1}" type="datetimeFigureOut">
               <a:rPr lang="en-US" dirty="0"/>
-              <a:t>2/17/2022</a:t>
+              <a:t>4/20/2022</a:t>
             </a:fld>
             <a:endParaRPr lang="en-US" dirty="0"/>
           </a:p>
@@ -1687,7 +1688,7 @@
           <a:p>
             <a:fld id="{4509A250-FF31-4206-8172-F9D3106AACB1}" type="datetimeFigureOut">
               <a:rPr lang="en-US" dirty="0"/>
-              <a:t>2/17/2022</a:t>
+              <a:t>4/20/2022</a:t>
             </a:fld>
             <a:endParaRPr lang="en-US" dirty="0"/>
           </a:p>
@@ -2028,7 +2029,7 @@
           <a:p>
             <a:fld id="{4509A250-FF31-4206-8172-F9D3106AACB1}" type="datetimeFigureOut">
               <a:rPr lang="en-US" dirty="0"/>
-              <a:t>2/17/2022</a:t>
+              <a:t>4/20/2022</a:t>
             </a:fld>
             <a:endParaRPr lang="en-US" dirty="0"/>
           </a:p>
@@ -2651,7 +2652,7 @@
           <a:p>
             <a:fld id="{4509A250-FF31-4206-8172-F9D3106AACB1}" type="datetimeFigureOut">
               <a:rPr lang="en-US" dirty="0"/>
-              <a:t>2/17/2022</a:t>
+              <a:t>4/20/2022</a:t>
             </a:fld>
             <a:endParaRPr lang="en-US" dirty="0"/>
           </a:p>
@@ -3499,7 +3500,7 @@
           <a:p>
             <a:fld id="{4509A250-FF31-4206-8172-F9D3106AACB1}" type="datetimeFigureOut">
               <a:rPr lang="en-US" dirty="0"/>
-              <a:t>2/17/2022</a:t>
+              <a:t>4/20/2022</a:t>
             </a:fld>
             <a:endParaRPr lang="en-US" dirty="0"/>
           </a:p>
@@ -3668,7 +3669,7 @@
           <a:p>
             <a:fld id="{4509A250-FF31-4206-8172-F9D3106AACB1}" type="datetimeFigureOut">
               <a:rPr lang="en-US" dirty="0"/>
-              <a:t>2/17/2022</a:t>
+              <a:t>4/20/2022</a:t>
             </a:fld>
             <a:endParaRPr lang="en-US" dirty="0"/>
           </a:p>
@@ -3847,7 +3848,7 @@
           <a:p>
             <a:fld id="{4509A250-FF31-4206-8172-F9D3106AACB1}" type="datetimeFigureOut">
               <a:rPr lang="en-US" dirty="0"/>
-              <a:t>2/17/2022</a:t>
+              <a:t>4/20/2022</a:t>
             </a:fld>
             <a:endParaRPr lang="en-US" dirty="0"/>
           </a:p>
@@ -4016,7 +4017,7 @@
           <a:p>
             <a:fld id="{4509A250-FF31-4206-8172-F9D3106AACB1}" type="datetimeFigureOut">
               <a:rPr lang="en-US" dirty="0"/>
-              <a:t>2/17/2022</a:t>
+              <a:t>4/20/2022</a:t>
             </a:fld>
             <a:endParaRPr lang="en-US" dirty="0"/>
           </a:p>
@@ -4263,7 +4264,7 @@
           <a:p>
             <a:fld id="{9796027F-7875-4030-9381-8BD8C4F21935}" type="datetimeFigureOut">
               <a:rPr lang="en-US" dirty="0"/>
-              <a:t>2/17/2022</a:t>
+              <a:t>4/20/2022</a:t>
             </a:fld>
             <a:endParaRPr lang="en-US" dirty="0"/>
           </a:p>
@@ -4553,7 +4554,7 @@
           <a:p>
             <a:fld id="{9796027F-7875-4030-9381-8BD8C4F21935}" type="datetimeFigureOut">
               <a:rPr lang="en-US" dirty="0"/>
-              <a:t>2/17/2022</a:t>
+              <a:t>4/20/2022</a:t>
             </a:fld>
             <a:endParaRPr lang="en-US" dirty="0"/>
           </a:p>
@@ -4995,7 +4996,7 @@
           <a:p>
             <a:fld id="{9796027F-7875-4030-9381-8BD8C4F21935}" type="datetimeFigureOut">
               <a:rPr lang="en-US" dirty="0"/>
-              <a:t>2/17/2022</a:t>
+              <a:t>4/20/2022</a:t>
             </a:fld>
             <a:endParaRPr lang="en-US" dirty="0"/>
           </a:p>
@@ -5113,7 +5114,7 @@
           <a:p>
             <a:fld id="{4509A250-FF31-4206-8172-F9D3106AACB1}" type="datetimeFigureOut">
               <a:rPr lang="en-US" dirty="0"/>
-              <a:t>2/17/2022</a:t>
+              <a:t>4/20/2022</a:t>
             </a:fld>
             <a:endParaRPr lang="en-US" dirty="0"/>
           </a:p>
@@ -5209,7 +5210,7 @@
           <a:p>
             <a:fld id="{4509A250-FF31-4206-8172-F9D3106AACB1}" type="datetimeFigureOut">
               <a:rPr lang="en-US" dirty="0"/>
-              <a:t>2/17/2022</a:t>
+              <a:t>4/20/2022</a:t>
             </a:fld>
             <a:endParaRPr lang="en-US" dirty="0"/>
           </a:p>
@@ -5487,7 +5488,7 @@
           <a:p>
             <a:fld id="{4509A250-FF31-4206-8172-F9D3106AACB1}" type="datetimeFigureOut">
               <a:rPr lang="en-US" dirty="0"/>
-              <a:t>2/17/2022</a:t>
+              <a:t>4/20/2022</a:t>
             </a:fld>
             <a:endParaRPr lang="en-US" dirty="0"/>
           </a:p>
@@ -5758,7 +5759,7 @@
           <a:p>
             <a:fld id="{4509A250-FF31-4206-8172-F9D3106AACB1}" type="datetimeFigureOut">
               <a:rPr lang="en-US" dirty="0"/>
-              <a:t>2/17/2022</a:t>
+              <a:t>4/20/2022</a:t>
             </a:fld>
             <a:endParaRPr lang="en-US" dirty="0"/>
           </a:p>
@@ -6186,7 +6187,7 @@
           <a:p>
             <a:fld id="{4AAD347D-5ACD-4C99-B74B-A9C85AD731AF}" type="datetimeFigureOut">
               <a:rPr lang="en-US" dirty="0"/>
-              <a:t>2/17/2022</a:t>
+              <a:t>4/20/2022</a:t>
             </a:fld>
             <a:endParaRPr lang="en-US" dirty="0"/>
           </a:p>
@@ -7126,7 +7127,7 @@
         </p:spPr>
         <p:txBody>
           <a:bodyPr vert="horz" lIns="91440" tIns="45720" rIns="91440" bIns="45720" rtlCol="0" anchor="t">
-            <a:normAutofit/>
+            <a:normAutofit fontScale="90000"/>
           </a:bodyPr>
           <a:lstStyle/>
           <a:p>
@@ -7136,8 +7137,12 @@
               </a:lnSpc>
             </a:pPr>
             <a:r>
+              <a:rPr lang="ru-RU" sz="2900" i="1" dirty="0"/>
+              <a:t>Создание </a:t>
+            </a:r>
+            <a:r>
               <a:rPr lang="en-US" sz="2900" i="1" dirty="0" err="1"/>
-              <a:t>Разработка</a:t>
+              <a:t>приложения</a:t>
             </a:r>
             <a:r>
               <a:rPr lang="en-US" sz="2900" i="1" dirty="0"/>
@@ -7145,7 +7150,7 @@
             </a:r>
             <a:r>
               <a:rPr lang="en-US" sz="2900" i="1" dirty="0" err="1"/>
-              <a:t>приложения</a:t>
+              <a:t>при</a:t>
             </a:r>
             <a:r>
               <a:rPr lang="en-US" sz="2900" i="1" dirty="0"/>
@@ -7153,7 +7158,7 @@
             </a:r>
             <a:r>
               <a:rPr lang="en-US" sz="2900" i="1" dirty="0" err="1"/>
-              <a:t>при</a:t>
+              <a:t>помощи</a:t>
             </a:r>
             <a:r>
               <a:rPr lang="en-US" sz="2900" i="1" dirty="0"/>
@@ -7161,19 +7166,15 @@
             </a:r>
             <a:r>
               <a:rPr lang="en-US" sz="2900" i="1" dirty="0" err="1"/>
-              <a:t>помощи</a:t>
-            </a:r>
-            <a:r>
-              <a:rPr lang="en-US" sz="2900" i="1" dirty="0"/>
-              <a:t> </a:t>
-            </a:r>
-            <a:r>
-              <a:rPr lang="en-US" sz="2900" i="1" dirty="0" err="1"/>
               <a:t>языка</a:t>
             </a:r>
             <a:r>
               <a:rPr lang="en-US" sz="2900" i="1" dirty="0"/>
               <a:t> С++</a:t>
+            </a:r>
+            <a:r>
+              <a:rPr lang="ru-RU" sz="2900" i="1" dirty="0"/>
+              <a:t> с подробным объяснением</a:t>
             </a:r>
             <a:br>
               <a:rPr lang="en-US" sz="2900" i="1" dirty="0"/>
@@ -7209,7 +7210,34 @@
                 <a:latin typeface="Calibri"/>
                 <a:cs typeface="Calibri"/>
               </a:rPr>
-              <a:t>выполинл</a:t>
+              <a:t>выпол</a:t>
+            </a:r>
+            <a:r>
+              <a:rPr lang="ru-RU" sz="1800" i="1" dirty="0" err="1">
+                <a:latin typeface="Calibri"/>
+                <a:cs typeface="Calibri"/>
+              </a:rPr>
+              <a:t>нили</a:t>
+            </a:r>
+            <a:r>
+              <a:rPr lang="ru-RU" sz="1800" i="1" dirty="0">
+                <a:latin typeface="Calibri"/>
+                <a:cs typeface="Calibri"/>
+              </a:rPr>
+              <a:t> </a:t>
+            </a:r>
+            <a:br>
+              <a:rPr lang="ru-RU" sz="1800" i="1" dirty="0">
+                <a:latin typeface="Calibri"/>
+                <a:cs typeface="Calibri"/>
+              </a:rPr>
+            </a:br>
+            <a:r>
+              <a:rPr lang="en-US" sz="1800" i="1" dirty="0" err="1">
+                <a:latin typeface="Calibri"/>
+                <a:cs typeface="Calibri"/>
+              </a:rPr>
+              <a:t>Гафилин</a:t>
             </a:r>
             <a:r>
               <a:rPr lang="en-US" sz="1800" i="1" dirty="0">
@@ -7223,21 +7251,27 @@
                 <a:latin typeface="Calibri"/>
                 <a:cs typeface="Calibri"/>
               </a:rPr>
-              <a:t>Гафилин</a:t>
-            </a:r>
-            <a:r>
-              <a:rPr lang="en-US" sz="1800" i="1" dirty="0">
+              <a:t>Егор</a:t>
+            </a:r>
+            <a:br>
+              <a:rPr lang="ru-RU" sz="1800" i="1" dirty="0">
                 <a:latin typeface="Calibri"/>
                 <a:cs typeface="Calibri"/>
               </a:rPr>
-              <a:t> </a:t>
-            </a:r>
-            <a:r>
-              <a:rPr lang="en-US" sz="1800" i="1" dirty="0" err="1">
+            </a:br>
+            <a:r>
+              <a:rPr lang="ru-RU" sz="1800" i="1" dirty="0">
                 <a:latin typeface="Calibri"/>
                 <a:cs typeface="Calibri"/>
               </a:rPr>
-              <a:t>Егор</a:t>
+              <a:t>Артем </a:t>
+            </a:r>
+            <a:r>
+              <a:rPr lang="ru-RU" sz="1800" i="1" dirty="0" err="1">
+                <a:latin typeface="Calibri"/>
+                <a:cs typeface="Calibri"/>
+              </a:rPr>
+              <a:t>Махоткин</a:t>
             </a:r>
             <a:br>
               <a:rPr lang="en-US" sz="1800" i="1" dirty="0">
@@ -7298,7 +7332,7 @@
             <a:br>
               <a:rPr lang="en-US" sz="2900" i="1" dirty="0"/>
             </a:br>
-            <a:endParaRPr lang="en-US" sz="2900">
+            <a:endParaRPr lang="en-US" sz="2900" dirty="0">
               <a:latin typeface="Calibri"/>
               <a:cs typeface="Calibri"/>
             </a:endParaRPr>
@@ -10209,7 +10243,7 @@
             </a:pPr>
             <a:r>
               <a:rPr lang="ru-RU" dirty="0"/>
-              <a:t>И созданы различные эффекты</a:t>
+              <a:t>И созданы различные эффекты для программы</a:t>
             </a:r>
           </a:p>
         </p:txBody>
@@ -10326,7 +10360,7 @@
           <a:p>
             <a:r>
               <a:rPr lang="ru-RU" dirty="0"/>
-              <a:t>В интернете мало работ, которые будут понятны для людей, которые только приступили к освоению библиотеки для создания приложений. Поэтому наш проект будет помогать разобраться новичкам в новой среде.</a:t>
+              <a:t>В интернете мало работ, которые будут понятны для людей, которые только приступили к освоению библиотеки для создания приложений. Поэтому наш проект будет помогать разобраться новичкам в новой среде разработки.</a:t>
             </a:r>
           </a:p>
         </p:txBody>
@@ -10481,8 +10515,32 @@
             </a:pPr>
             <a:r>
               <a:rPr lang="ru-RU" dirty="0"/>
-              <a:t>И создать еще некоторые игры вида "Змейка"</a:t>
-            </a:r>
+              <a:t>И создать еще некоторые игры вида "Змейка</a:t>
+            </a:r>
+            <a:r>
+              <a:rPr lang="en-US" dirty="0"/>
+              <a:t>”</a:t>
+            </a:r>
+            <a:br>
+              <a:rPr lang="ru-RU" dirty="0"/>
+            </a:br>
+            <a:endParaRPr lang="ru-RU" dirty="0"/>
+          </a:p>
+          <a:p>
+            <a:pPr>
+              <a:buClr>
+                <a:srgbClr val="8AD0D6"/>
+              </a:buClr>
+            </a:pPr>
+            <a:r>
+              <a:rPr lang="ru-RU" dirty="0"/>
+              <a:t>Добавить некоторые пометки, для начинающих</a:t>
+            </a:r>
+            <a:r>
+              <a:rPr lang="en-US" dirty="0"/>
+              <a:t>.</a:t>
+            </a:r>
+            <a:endParaRPr lang="ru-RU" dirty="0"/>
           </a:p>
         </p:txBody>
       </p:sp>
@@ -10768,202 +10826,234 @@
       </p:grpSpPr>
       <p:sp>
         <p:nvSpPr>
-          <p:cNvPr id="2" name="Заголовок 1">
+          <p:cNvPr id="2" name="Заголовок 1"/>
+          <p:cNvSpPr>
+            <a:spLocks noGrp="1"/>
+          </p:cNvSpPr>
+          <p:nvPr>
+            <p:ph type="title"/>
+          </p:nvPr>
+        </p:nvSpPr>
+        <p:spPr>
+          <a:xfrm>
+            <a:off x="4395468" y="339516"/>
+            <a:ext cx="3401064" cy="1447800"/>
+          </a:xfrm>
+        </p:spPr>
+        <p:txBody>
+          <a:bodyPr/>
+          <a:lstStyle/>
+          <a:p>
+            <a:pPr algn="ctr"/>
+            <a:r>
+              <a:rPr lang="ru-RU" dirty="0"/>
+              <a:t>Видео фрагмент проделанной работы</a:t>
+            </a:r>
+          </a:p>
+        </p:txBody>
+      </p:sp>
+      <p:sp>
+        <p:nvSpPr>
+          <p:cNvPr id="5" name="Номер слайда 4"/>
+          <p:cNvSpPr>
+            <a:spLocks noGrp="1"/>
+          </p:cNvSpPr>
+          <p:nvPr>
+            <p:ph type="sldNum" sz="quarter" idx="12"/>
+          </p:nvPr>
+        </p:nvSpPr>
+        <p:spPr/>
+        <p:txBody>
+          <a:bodyPr/>
+          <a:lstStyle/>
+          <a:p>
+            <a:fld id="{D57F1E4F-1CFF-5643-939E-02111984F565}" type="slidenum">
+              <a:rPr lang="en-US" smtClean="0"/>
+              <a:t>7</a:t>
+            </a:fld>
+            <a:endParaRPr lang="en-US" dirty="0"/>
+          </a:p>
+        </p:txBody>
+      </p:sp>
+      <p:pic>
+        <p:nvPicPr>
+          <p:cNvPr id="7" name="Мультимедиа в Интернете 6" title="Пример игры">
+            <a:hlinkClick r:id="" action="ppaction://media"/>
             <a:extLst>
               <a:ext uri="{FF2B5EF4-FFF2-40B4-BE49-F238E27FC236}">
-                <a16:creationId xmlns:a16="http://schemas.microsoft.com/office/drawing/2014/main" id="{5F58AAC5-1851-4E81-BC67-C1D7A89C4E4F}"/>
+                <a16:creationId xmlns:a16="http://schemas.microsoft.com/office/drawing/2014/main" id="{48213A1B-186C-4D32-9DB4-ADD41A1BFE09}"/>
               </a:ext>
             </a:extLst>
           </p:cNvPr>
-          <p:cNvSpPr>
-            <a:spLocks noGrp="1"/>
-          </p:cNvSpPr>
-          <p:nvPr>
-            <p:ph type="title"/>
-          </p:nvPr>
-        </p:nvSpPr>
-        <p:spPr/>
-        <p:txBody>
-          <a:bodyPr/>
-          <a:lstStyle/>
-          <a:p>
-            <a:r>
-              <a:rPr lang="ru-RU" dirty="0"/>
-              <a:t>Использованные приложения</a:t>
-            </a:r>
-          </a:p>
-        </p:txBody>
-      </p:sp>
-      <p:sp>
-        <p:nvSpPr>
-          <p:cNvPr id="3" name="Текст 2">
-            <a:extLst>
-              <a:ext uri="{FF2B5EF4-FFF2-40B4-BE49-F238E27FC236}">
-                <a16:creationId xmlns:a16="http://schemas.microsoft.com/office/drawing/2014/main" id="{207D5346-7DA9-454E-83C8-5030EBA0B7FC}"/>
-              </a:ext>
-            </a:extLst>
-          </p:cNvPr>
-          <p:cNvSpPr>
-            <a:spLocks noGrp="1"/>
-          </p:cNvSpPr>
-          <p:nvPr>
-            <p:ph type="body" idx="1"/>
-          </p:nvPr>
-        </p:nvSpPr>
-        <p:spPr/>
-        <p:txBody>
-          <a:bodyPr/>
-          <a:lstStyle/>
-          <a:p>
-            <a:r>
-              <a:rPr lang="ru-RU" dirty="0"/>
-              <a:t>Visual Studio</a:t>
-            </a:r>
-          </a:p>
-        </p:txBody>
-      </p:sp>
-      <p:sp>
-        <p:nvSpPr>
-          <p:cNvPr id="4" name="Объект 3">
-            <a:extLst>
-              <a:ext uri="{FF2B5EF4-FFF2-40B4-BE49-F238E27FC236}">
-                <a16:creationId xmlns:a16="http://schemas.microsoft.com/office/drawing/2014/main" id="{BB3699A1-FE65-499B-A94B-7B6606917A6D}"/>
-              </a:ext>
-            </a:extLst>
-          </p:cNvPr>
-          <p:cNvSpPr>
-            <a:spLocks noGrp="1"/>
-          </p:cNvSpPr>
-          <p:nvPr>
-            <p:ph sz="half" idx="2"/>
-          </p:nvPr>
-        </p:nvSpPr>
-        <p:spPr/>
-        <p:txBody>
-          <a:bodyPr vert="horz" lIns="91440" tIns="45720" rIns="91440" bIns="45720" rtlCol="0" anchor="t">
-            <a:normAutofit/>
-          </a:bodyPr>
-          <a:lstStyle/>
-          <a:p>
-            <a:r>
-              <a:rPr lang="ru-RU" dirty="0"/>
-              <a:t>Среда программирования на разных языках, в особенности C++</a:t>
-            </a:r>
-          </a:p>
-        </p:txBody>
-      </p:sp>
-      <p:sp>
-        <p:nvSpPr>
-          <p:cNvPr id="5" name="Текст 4">
-            <a:extLst>
-              <a:ext uri="{FF2B5EF4-FFF2-40B4-BE49-F238E27FC236}">
-                <a16:creationId xmlns:a16="http://schemas.microsoft.com/office/drawing/2014/main" id="{A81F5134-EDC6-400F-A294-F392945107AE}"/>
-              </a:ext>
-            </a:extLst>
-          </p:cNvPr>
-          <p:cNvSpPr>
-            <a:spLocks noGrp="1"/>
-          </p:cNvSpPr>
-          <p:nvPr>
-            <p:ph type="body" sz="quarter" idx="3"/>
-          </p:nvPr>
-        </p:nvSpPr>
-        <p:spPr/>
-        <p:txBody>
-          <a:bodyPr/>
-          <a:lstStyle/>
-          <a:p>
-            <a:r>
-              <a:rPr lang="ru-RU" dirty="0"/>
-              <a:t>Библиотеки</a:t>
-            </a:r>
-          </a:p>
-        </p:txBody>
-      </p:sp>
-      <p:sp>
-        <p:nvSpPr>
-          <p:cNvPr id="6" name="Объект 5">
-            <a:extLst>
-              <a:ext uri="{FF2B5EF4-FFF2-40B4-BE49-F238E27FC236}">
-                <a16:creationId xmlns:a16="http://schemas.microsoft.com/office/drawing/2014/main" id="{315AF168-E2D9-41A0-8C12-D18AAC1948EB}"/>
-              </a:ext>
-            </a:extLst>
-          </p:cNvPr>
-          <p:cNvSpPr>
-            <a:spLocks noGrp="1"/>
-          </p:cNvSpPr>
-          <p:nvPr>
-            <p:ph sz="quarter" idx="4"/>
-          </p:nvPr>
-        </p:nvSpPr>
-        <p:spPr/>
-        <p:txBody>
-          <a:bodyPr vert="horz" lIns="91440" tIns="45720" rIns="91440" bIns="45720" rtlCol="0" anchor="t">
-            <a:normAutofit/>
-          </a:bodyPr>
-          <a:lstStyle/>
-          <a:p>
-            <a:r>
-              <a:rPr lang="ru-RU" dirty="0"/>
-              <a:t>OpenGL и </a:t>
-            </a:r>
-            <a:r>
-              <a:rPr lang="ru-RU" dirty="0" err="1"/>
-              <a:t>windows.h</a:t>
-            </a:r>
-          </a:p>
-          <a:p>
-            <a:pPr>
-              <a:buClr>
-                <a:srgbClr val="8AD0D6"/>
-              </a:buClr>
-            </a:pPr>
-            <a:r>
-              <a:rPr lang="ru-RU" dirty="0"/>
-              <a:t>Библиотеки для работы с графикой и изображением на языке C++</a:t>
-            </a:r>
-          </a:p>
-        </p:txBody>
-      </p:sp>
-      <p:sp>
-        <p:nvSpPr>
-          <p:cNvPr id="7" name="Номер слайда 6">
-            <a:extLst>
-              <a:ext uri="{FF2B5EF4-FFF2-40B4-BE49-F238E27FC236}">
-                <a16:creationId xmlns:a16="http://schemas.microsoft.com/office/drawing/2014/main" id="{69F2FACF-5B29-4EBD-BB17-AB56903C8B5F}"/>
-              </a:ext>
-            </a:extLst>
-          </p:cNvPr>
-          <p:cNvSpPr>
-            <a:spLocks noGrp="1"/>
-          </p:cNvSpPr>
-          <p:nvPr>
-            <p:ph type="sldNum" sz="quarter" idx="12"/>
-          </p:nvPr>
-        </p:nvSpPr>
-        <p:spPr/>
-        <p:txBody>
-          <a:bodyPr/>
-          <a:lstStyle/>
-          <a:p>
-            <a:fld id="{D57F1E4F-1CFF-5643-939E-02111984F565}" type="slidenum">
-              <a:rPr lang="en-US" dirty="0"/>
-              <a:t>7</a:t>
-            </a:fld>
-            <a:endParaRPr lang="en-US" dirty="0"/>
-          </a:p>
-        </p:txBody>
-      </p:sp>
+          <p:cNvPicPr>
+            <a:picLocks noGrp="1" noRot="1" noChangeAspect="1"/>
+          </p:cNvPicPr>
+          <p:nvPr>
+            <p:ph idx="1"/>
+            <a:videoFile r:link="rId1"/>
+          </p:nvPr>
+        </p:nvPicPr>
+        <p:blipFill>
+          <a:blip r:embed="rId3"/>
+          <a:stretch>
+            <a:fillRect/>
+          </a:stretch>
+        </p:blipFill>
+        <p:spPr>
+          <a:xfrm>
+            <a:off x="2232167" y="1933647"/>
+            <a:ext cx="7727666" cy="4365553"/>
+          </a:xfrm>
+          <a:prstGeom prst="rect">
+            <a:avLst/>
+          </a:prstGeom>
+        </p:spPr>
+      </p:pic>
     </p:spTree>
     <p:extLst>
       <p:ext uri="{BB962C8B-B14F-4D97-AF65-F5344CB8AC3E}">
-        <p14:creationId xmlns:p14="http://schemas.microsoft.com/office/powerpoint/2010/main" val="3193049741"/>
+        <p14:creationId xmlns:p14="http://schemas.microsoft.com/office/powerpoint/2010/main" val="2229142399"/>
       </p:ext>
     </p:extLst>
   </p:cSld>
   <p:clrMapOvr>
     <a:masterClrMapping/>
   </p:clrMapOvr>
+  <p:timing>
+    <p:tnLst>
+      <p:par>
+        <p:cTn id="1" dur="indefinite" restart="never" nodeType="tmRoot">
+          <p:childTnLst>
+            <p:seq concurrent="1" nextAc="seek">
+              <p:cTn id="2" dur="indefinite" nodeType="mainSeq">
+                <p:childTnLst>
+                  <p:par>
+                    <p:cTn id="3" fill="hold">
+                      <p:stCondLst>
+                        <p:cond delay="indefinite"/>
+                      </p:stCondLst>
+                      <p:childTnLst>
+                        <p:par>
+                          <p:cTn id="4" fill="hold">
+                            <p:stCondLst>
+                              <p:cond delay="0"/>
+                            </p:stCondLst>
+                            <p:childTnLst>
+                              <p:par>
+                                <p:cTn id="5" presetID="1" presetClass="mediacall" presetSubtype="0" fill="hold" nodeType="clickEffect">
+                                  <p:stCondLst>
+                                    <p:cond delay="0"/>
+                                  </p:stCondLst>
+                                  <p:childTnLst>
+                                    <p:cmd type="call" cmd="playFrom(0.0)">
+                                      <p:cBhvr>
+                                        <p:cTn id="6" dur="1" fill="hold"/>
+                                        <p:tgtEl>
+                                          <p:spTgt spid="7"/>
+                                        </p:tgtEl>
+                                      </p:cBhvr>
+                                    </p:cmd>
+                                  </p:childTnLst>
+                                </p:cTn>
+                              </p:par>
+                            </p:childTnLst>
+                          </p:cTn>
+                        </p:par>
+                      </p:childTnLst>
+                    </p:cTn>
+                  </p:par>
+                </p:childTnLst>
+              </p:cTn>
+              <p:prevCondLst>
+                <p:cond evt="onPrev" delay="0">
+                  <p:tgtEl>
+                    <p:sldTgt/>
+                  </p:tgtEl>
+                </p:cond>
+              </p:prevCondLst>
+              <p:nextCondLst>
+                <p:cond evt="onNext" delay="0">
+                  <p:tgtEl>
+                    <p:sldTgt/>
+                  </p:tgtEl>
+                </p:cond>
+              </p:nextCondLst>
+            </p:seq>
+            <p:video>
+              <p:cMediaNode vol="80000">
+                <p:cTn id="7" fill="hold" display="0">
+                  <p:stCondLst>
+                    <p:cond delay="indefinite"/>
+                  </p:stCondLst>
+                </p:cTn>
+                <p:tgtEl>
+                  <p:spTgt spid="7"/>
+                </p:tgtEl>
+              </p:cMediaNode>
+            </p:video>
+            <p:seq concurrent="1" nextAc="seek">
+              <p:cTn id="8" restart="whenNotActive" fill="hold" evtFilter="cancelBubble" nodeType="interactiveSeq">
+                <p:stCondLst>
+                  <p:cond evt="onClick" delay="0">
+                    <p:tgtEl>
+                      <p:spTgt spid="7"/>
+                    </p:tgtEl>
+                  </p:cond>
+                </p:stCondLst>
+                <p:endSync evt="end" delay="0">
+                  <p:rtn val="all"/>
+                </p:endSync>
+                <p:childTnLst>
+                  <p:par>
+                    <p:cTn id="9" fill="hold">
+                      <p:stCondLst>
+                        <p:cond delay="0"/>
+                      </p:stCondLst>
+                      <p:childTnLst>
+                        <p:par>
+                          <p:cTn id="10" fill="hold">
+                            <p:stCondLst>
+                              <p:cond delay="0"/>
+                            </p:stCondLst>
+                            <p:childTnLst>
+                              <p:par>
+                                <p:cTn id="11" presetID="2" presetClass="mediacall" presetSubtype="0" fill="hold" nodeType="clickEffect">
+                                  <p:stCondLst>
+                                    <p:cond delay="0"/>
+                                  </p:stCondLst>
+                                  <p:childTnLst>
+                                    <p:cmd type="call" cmd="togglePause">
+                                      <p:cBhvr>
+                                        <p:cTn id="12" dur="1" fill="hold"/>
+                                        <p:tgtEl>
+                                          <p:spTgt spid="7"/>
+                                        </p:tgtEl>
+                                      </p:cBhvr>
+                                    </p:cmd>
+                                  </p:childTnLst>
+                                </p:cTn>
+                              </p:par>
+                            </p:childTnLst>
+                          </p:cTn>
+                        </p:par>
+                      </p:childTnLst>
+                    </p:cTn>
+                  </p:par>
+                </p:childTnLst>
+              </p:cTn>
+              <p:nextCondLst>
+                <p:cond evt="onClick" delay="0">
+                  <p:tgtEl>
+                    <p:spTgt spid="7"/>
+                  </p:tgtEl>
+                </p:cond>
+              </p:nextCondLst>
+            </p:seq>
+          </p:childTnLst>
+        </p:cTn>
+      </p:par>
+    </p:tnLst>
+  </p:timing>
 </p:sld>
 </file>
 
@@ -10986,10 +11076,108 @@
       </p:grpSpPr>
       <p:sp>
         <p:nvSpPr>
+          <p:cNvPr id="2" name="Заголовок 1"/>
+          <p:cNvSpPr>
+            <a:spLocks noGrp="1"/>
+          </p:cNvSpPr>
+          <p:nvPr>
+            <p:ph type="title"/>
+          </p:nvPr>
+        </p:nvSpPr>
+        <p:spPr/>
+        <p:txBody>
+          <a:bodyPr/>
+          <a:lstStyle/>
+          <a:p>
+            <a:r>
+              <a:rPr lang="ru-RU" dirty="0"/>
+              <a:t>Ссылка на игру, а также на загрузчик.</a:t>
+            </a:r>
+          </a:p>
+        </p:txBody>
+      </p:sp>
+      <p:sp>
+        <p:nvSpPr>
+          <p:cNvPr id="3" name="Объект 2"/>
+          <p:cNvSpPr>
+            <a:spLocks noGrp="1"/>
+          </p:cNvSpPr>
+          <p:nvPr>
+            <p:ph idx="1"/>
+          </p:nvPr>
+        </p:nvSpPr>
+        <p:spPr/>
+        <p:txBody>
+          <a:bodyPr/>
+          <a:lstStyle/>
+          <a:p>
+            <a:r>
+              <a:rPr lang="en-US" dirty="0"/>
+              <a:t>https://github.com/ArtemHollow/JustAnotherSchoolProject/tree/main/GameSource</a:t>
+            </a:r>
+            <a:endParaRPr lang="ru-RU" dirty="0"/>
+          </a:p>
+        </p:txBody>
+      </p:sp>
+      <p:sp>
+        <p:nvSpPr>
+          <p:cNvPr id="5" name="Номер слайда 4"/>
+          <p:cNvSpPr>
+            <a:spLocks noGrp="1"/>
+          </p:cNvSpPr>
+          <p:nvPr>
+            <p:ph type="sldNum" sz="quarter" idx="12"/>
+          </p:nvPr>
+        </p:nvSpPr>
+        <p:spPr/>
+        <p:txBody>
+          <a:bodyPr/>
+          <a:lstStyle/>
+          <a:p>
+            <a:fld id="{D57F1E4F-1CFF-5643-939E-02111984F565}" type="slidenum">
+              <a:rPr lang="en-US" smtClean="0"/>
+              <a:t>8</a:t>
+            </a:fld>
+            <a:endParaRPr lang="en-US" dirty="0"/>
+          </a:p>
+        </p:txBody>
+      </p:sp>
+    </p:spTree>
+    <p:extLst>
+      <p:ext uri="{BB962C8B-B14F-4D97-AF65-F5344CB8AC3E}">
+        <p14:creationId xmlns:p14="http://schemas.microsoft.com/office/powerpoint/2010/main" val="3829062664"/>
+      </p:ext>
+    </p:extLst>
+  </p:cSld>
+  <p:clrMapOvr>
+    <a:masterClrMapping/>
+  </p:clrMapOvr>
+</p:sld>
+</file>
+
+<file path=ppt/slides/slide9.xml><?xml version="1.0" encoding="utf-8"?>
+<p:sld xmlns:a="http://schemas.openxmlformats.org/drawingml/2006/main" xmlns:r="http://schemas.openxmlformats.org/officeDocument/2006/relationships" xmlns:p="http://schemas.openxmlformats.org/presentationml/2006/main">
+  <p:cSld>
+    <p:spTree>
+      <p:nvGrpSpPr>
+        <p:cNvPr id="1" name=""/>
+        <p:cNvGrpSpPr/>
+        <p:nvPr/>
+      </p:nvGrpSpPr>
+      <p:grpSpPr>
+        <a:xfrm>
+          <a:off x="0" y="0"/>
+          <a:ext cx="0" cy="0"/>
+          <a:chOff x="0" y="0"/>
+          <a:chExt cx="0" cy="0"/>
+        </a:xfrm>
+      </p:grpSpPr>
+      <p:sp>
+        <p:nvSpPr>
           <p:cNvPr id="2" name="Заголовок 1">
             <a:extLst>
               <a:ext uri="{FF2B5EF4-FFF2-40B4-BE49-F238E27FC236}">
-                <a16:creationId xmlns:a16="http://schemas.microsoft.com/office/drawing/2014/main" id="{5DA784E1-74C0-4527-93E4-3E80DEAC3F64}"/>
+                <a16:creationId xmlns:a16="http://schemas.microsoft.com/office/drawing/2014/main" id="{5F58AAC5-1851-4E81-BC67-C1D7A89C4E4F}"/>
               </a:ext>
             </a:extLst>
           </p:cNvPr>
@@ -11007,7 +11195,7 @@
           <a:p>
             <a:r>
               <a:rPr lang="ru-RU" dirty="0"/>
-              <a:t>Спасибо за внимание</a:t>
+              <a:t>Использованные приложения</a:t>
             </a:r>
           </a:p>
         </p:txBody>
@@ -11017,7 +11205,7 @@
           <p:cNvPr id="3" name="Текст 2">
             <a:extLst>
               <a:ext uri="{FF2B5EF4-FFF2-40B4-BE49-F238E27FC236}">
-                <a16:creationId xmlns:a16="http://schemas.microsoft.com/office/drawing/2014/main" id="{9AE3F995-79D2-41D0-9762-8B99C159F835}"/>
+                <a16:creationId xmlns:a16="http://schemas.microsoft.com/office/drawing/2014/main" id="{207D5346-7DA9-454E-83C8-5030EBA0B7FC}"/>
               </a:ext>
             </a:extLst>
           </p:cNvPr>
@@ -11033,7 +11221,10 @@
           <a:bodyPr/>
           <a:lstStyle/>
           <a:p>
-            <a:endParaRPr lang="ru-RU"/>
+            <a:r>
+              <a:rPr lang="ru-RU" dirty="0"/>
+              <a:t>Visual Studio</a:t>
+            </a:r>
           </a:p>
         </p:txBody>
       </p:sp>
@@ -11042,7 +11233,7 @@
           <p:cNvPr id="4" name="Объект 3">
             <a:extLst>
               <a:ext uri="{FF2B5EF4-FFF2-40B4-BE49-F238E27FC236}">
-                <a16:creationId xmlns:a16="http://schemas.microsoft.com/office/drawing/2014/main" id="{E878775F-C351-4392-AFAB-1D4AEA2756FC}"/>
+                <a16:creationId xmlns:a16="http://schemas.microsoft.com/office/drawing/2014/main" id="{BB3699A1-FE65-499B-A94B-7B6606917A6D}"/>
               </a:ext>
             </a:extLst>
           </p:cNvPr>
@@ -11055,10 +11246,15 @@
         </p:nvSpPr>
         <p:spPr/>
         <p:txBody>
-          <a:bodyPr/>
+          <a:bodyPr vert="horz" lIns="91440" tIns="45720" rIns="91440" bIns="45720" rtlCol="0" anchor="t">
+            <a:normAutofit/>
+          </a:bodyPr>
           <a:lstStyle/>
           <a:p>
-            <a:endParaRPr lang="ru-RU"/>
+            <a:r>
+              <a:rPr lang="ru-RU" dirty="0"/>
+              <a:t>Среда программирования на разных языках, в особенности C++</a:t>
+            </a:r>
           </a:p>
         </p:txBody>
       </p:sp>
@@ -11067,7 +11263,7 @@
           <p:cNvPr id="5" name="Текст 4">
             <a:extLst>
               <a:ext uri="{FF2B5EF4-FFF2-40B4-BE49-F238E27FC236}">
-                <a16:creationId xmlns:a16="http://schemas.microsoft.com/office/drawing/2014/main" id="{15472E67-F360-40DC-B0B0-8A9D8E3B3D22}"/>
+                <a16:creationId xmlns:a16="http://schemas.microsoft.com/office/drawing/2014/main" id="{A81F5134-EDC6-400F-A294-F392945107AE}"/>
               </a:ext>
             </a:extLst>
           </p:cNvPr>
@@ -11083,7 +11279,10 @@
           <a:bodyPr/>
           <a:lstStyle/>
           <a:p>
-            <a:endParaRPr lang="ru-RU"/>
+            <a:r>
+              <a:rPr lang="ru-RU" dirty="0"/>
+              <a:t>Библиотеки</a:t>
+            </a:r>
           </a:p>
         </p:txBody>
       </p:sp>
@@ -11092,7 +11291,7 @@
           <p:cNvPr id="6" name="Объект 5">
             <a:extLst>
               <a:ext uri="{FF2B5EF4-FFF2-40B4-BE49-F238E27FC236}">
-                <a16:creationId xmlns:a16="http://schemas.microsoft.com/office/drawing/2014/main" id="{D11A51CD-ACC5-4EFA-B9FB-44372C8D3CE8}"/>
+                <a16:creationId xmlns:a16="http://schemas.microsoft.com/office/drawing/2014/main" id="{315AF168-E2D9-41A0-8C12-D18AAC1948EB}"/>
               </a:ext>
             </a:extLst>
           </p:cNvPr>
@@ -11105,10 +11304,30 @@
         </p:nvSpPr>
         <p:spPr/>
         <p:txBody>
-          <a:bodyPr/>
+          <a:bodyPr vert="horz" lIns="91440" tIns="45720" rIns="91440" bIns="45720" rtlCol="0" anchor="t">
+            <a:normAutofit/>
+          </a:bodyPr>
           <a:lstStyle/>
           <a:p>
-            <a:endParaRPr lang="ru-RU"/>
+            <a:r>
+              <a:rPr lang="ru-RU" dirty="0"/>
+              <a:t>OpenGL и </a:t>
+            </a:r>
+            <a:r>
+              <a:rPr lang="ru-RU" dirty="0" err="1"/>
+              <a:t>windows.h</a:t>
+            </a:r>
+          </a:p>
+          <a:p>
+            <a:pPr>
+              <a:buClr>
+                <a:srgbClr val="8AD0D6"/>
+              </a:buClr>
+            </a:pPr>
+            <a:r>
+              <a:rPr lang="ru-RU" dirty="0"/>
+              <a:t>Библиотеки для работы с графикой и изображением на языке C++</a:t>
+            </a:r>
           </a:p>
         </p:txBody>
       </p:sp>
@@ -11117,7 +11336,7 @@
           <p:cNvPr id="7" name="Номер слайда 6">
             <a:extLst>
               <a:ext uri="{FF2B5EF4-FFF2-40B4-BE49-F238E27FC236}">
-                <a16:creationId xmlns:a16="http://schemas.microsoft.com/office/drawing/2014/main" id="{A4E0CA25-6588-405C-A8D5-3AD2CC9E07C8}"/>
+                <a16:creationId xmlns:a16="http://schemas.microsoft.com/office/drawing/2014/main" id="{69F2FACF-5B29-4EBD-BB17-AB56903C8B5F}"/>
               </a:ext>
             </a:extLst>
           </p:cNvPr>
@@ -11135,7 +11354,7 @@
           <a:p>
             <a:fld id="{D57F1E4F-1CFF-5643-939E-02111984F565}" type="slidenum">
               <a:rPr lang="en-US" dirty="0"/>
-              <a:t>8</a:t>
+              <a:t>9</a:t>
             </a:fld>
             <a:endParaRPr lang="en-US" dirty="0"/>
           </a:p>
@@ -11144,7 +11363,7 @@
     </p:spTree>
     <p:extLst>
       <p:ext uri="{BB962C8B-B14F-4D97-AF65-F5344CB8AC3E}">
-        <p14:creationId xmlns:p14="http://schemas.microsoft.com/office/powerpoint/2010/main" val="4293279540"/>
+        <p14:creationId xmlns:p14="http://schemas.microsoft.com/office/powerpoint/2010/main" val="3193049741"/>
       </p:ext>
     </p:extLst>
   </p:cSld>

--- a/Презентация 8.pptx
+++ b/Презентация 8.pptx
@@ -127,6 +127,18 @@
     </p:ext>
   </p:extLst>
 </p:presentation>
+</file>
+
+<file path=ppt/commentAuthors.xml><?xml version="1.0" encoding="utf-8"?>
+<p:cmAuthorLst xmlns:a="http://schemas.openxmlformats.org/drawingml/2006/main" xmlns:r="http://schemas.openxmlformats.org/officeDocument/2006/relationships" xmlns:p="http://schemas.openxmlformats.org/presentationml/2006/main">
+  <p:cmAuthor id="1" name="Махоткин Артем" initials="МА" lastIdx="1" clrIdx="0">
+    <p:extLst>
+      <p:ext uri="{19B8F6BF-5375-455C-9EA6-DF929625EA0E}">
+        <p15:presenceInfo xmlns:p15="http://schemas.microsoft.com/office/powerpoint/2012/main" userId="d5f2368e11631559" providerId="Windows Live"/>
+      </p:ext>
+    </p:extLst>
+  </p:cmAuthor>
+</p:cmAuthorLst>
 </file>
 
 <file path=ppt/revisionInfo.xml><?xml version="1.0" encoding="utf-8"?>
@@ -11106,14 +11118,21 @@
             <p:ph idx="1"/>
           </p:nvPr>
         </p:nvSpPr>
-        <p:spPr/>
+        <p:spPr>
+          <a:xfrm>
+            <a:off x="4784616" y="1447800"/>
+            <a:ext cx="5195997" cy="679938"/>
+          </a:xfrm>
+        </p:spPr>
         <p:txBody>
           <a:bodyPr/>
           <a:lstStyle/>
           <a:p>
             <a:r>
-              <a:rPr lang="en-US" dirty="0"/>
-              <a:t>https://github.com/ArtemHollow/JustAnotherSchoolProject/tree/main/GameSource</a:t>
+              <a:rPr lang="ru-RU" dirty="0">
+                <a:hlinkClick r:id="rId2"/>
+              </a:rPr>
+              <a:t>[ссылка на исходный код]</a:t>
             </a:r>
             <a:endParaRPr lang="ru-RU" dirty="0"/>
           </a:p>
@@ -11142,6 +11161,60 @@
           </a:p>
         </p:txBody>
       </p:sp>
+      <p:pic>
+        <p:nvPicPr>
+          <p:cNvPr id="1026" name="Picture 2">
+            <a:extLst>
+              <a:ext uri="{FF2B5EF4-FFF2-40B4-BE49-F238E27FC236}">
+                <a16:creationId xmlns:a16="http://schemas.microsoft.com/office/drawing/2014/main" id="{FB35C366-1362-43A8-9CDC-41F7302A0373}"/>
+              </a:ext>
+            </a:extLst>
+          </p:cNvPr>
+          <p:cNvPicPr>
+            <a:picLocks noChangeAspect="1" noChangeArrowheads="1"/>
+          </p:cNvPicPr>
+          <p:nvPr/>
+        </p:nvPicPr>
+        <p:blipFill>
+          <a:blip r:embed="rId3">
+            <a:extLst>
+              <a:ext uri="{28A0092B-C50C-407E-A947-70E740481C1C}">
+                <a14:useLocalDpi xmlns:a14="http://schemas.microsoft.com/office/drawing/2010/main" val="0"/>
+              </a:ext>
+            </a:extLst>
+          </a:blip>
+          <a:srcRect/>
+          <a:stretch>
+            <a:fillRect/>
+          </a:stretch>
+        </p:blipFill>
+        <p:spPr bwMode="auto">
+          <a:xfrm>
+            <a:off x="5016011" y="2410557"/>
+            <a:ext cx="3776296" cy="3776296"/>
+          </a:xfrm>
+          <a:prstGeom prst="rect">
+            <a:avLst/>
+          </a:prstGeom>
+          <a:noFill/>
+          <a:effectLst>
+            <a:outerShdw blurRad="50800" dist="50800" dir="5400000" algn="ctr" rotWithShape="0">
+              <a:srgbClr val="000000">
+                <a:alpha val="89000"/>
+              </a:srgbClr>
+            </a:outerShdw>
+          </a:effectLst>
+          <a:extLst>
+            <a:ext uri="{909E8E84-426E-40DD-AFC4-6F175D3DCCD1}">
+              <a14:hiddenFill xmlns:a14="http://schemas.microsoft.com/office/drawing/2010/main">
+                <a:solidFill>
+                  <a:srgbClr val="FFFFFF"/>
+                </a:solidFill>
+              </a14:hiddenFill>
+            </a:ext>
+          </a:extLst>
+        </p:spPr>
+      </p:pic>
     </p:spTree>
     <p:extLst>
       <p:ext uri="{BB962C8B-B14F-4D97-AF65-F5344CB8AC3E}">

--- a/Презентация 8.pptx
+++ b/Презентация 8.pptx
@@ -10887,40 +10887,44 @@
           </a:p>
         </p:txBody>
       </p:sp>
-      <p:pic>
-        <p:nvPicPr>
-          <p:cNvPr id="7" name="Мультимедиа в Интернете 6" title="Пример игры">
-            <a:hlinkClick r:id="" action="ppaction://media"/>
+      <p:sp>
+        <p:nvSpPr>
+          <p:cNvPr id="4" name="Объект 3">
             <a:extLst>
               <a:ext uri="{FF2B5EF4-FFF2-40B4-BE49-F238E27FC236}">
-                <a16:creationId xmlns:a16="http://schemas.microsoft.com/office/drawing/2014/main" id="{48213A1B-186C-4D32-9DB4-ADD41A1BFE09}"/>
+                <a16:creationId xmlns:a16="http://schemas.microsoft.com/office/drawing/2014/main" id="{947069D3-F130-4AC5-B88B-6361FB77431E}"/>
               </a:ext>
             </a:extLst>
           </p:cNvPr>
-          <p:cNvPicPr>
-            <a:picLocks noGrp="1" noRot="1" noChangeAspect="1"/>
-          </p:cNvPicPr>
+          <p:cNvSpPr>
+            <a:spLocks noGrp="1"/>
+          </p:cNvSpPr>
           <p:nvPr>
             <p:ph idx="1"/>
-            <a:videoFile r:link="rId1"/>
-          </p:nvPr>
-        </p:nvPicPr>
-        <p:blipFill>
-          <a:blip r:embed="rId3"/>
-          <a:stretch>
-            <a:fillRect/>
-          </a:stretch>
-        </p:blipFill>
+          </p:nvPr>
+        </p:nvSpPr>
         <p:spPr>
           <a:xfrm>
-            <a:off x="2232167" y="1933647"/>
-            <a:ext cx="7727666" cy="4365553"/>
+            <a:off x="3563975" y="2840478"/>
+            <a:ext cx="4445575" cy="1688418"/>
           </a:xfrm>
-          <a:prstGeom prst="rect">
-            <a:avLst/>
-          </a:prstGeom>
         </p:spPr>
-      </p:pic>
+        <p:txBody>
+          <a:bodyPr>
+            <a:noAutofit/>
+          </a:bodyPr>
+          <a:lstStyle/>
+          <a:p>
+            <a:r>
+              <a:rPr lang="ru-RU" sz="6000" dirty="0">
+                <a:hlinkClick r:id="rId2"/>
+              </a:rPr>
+              <a:t>[ссылка]</a:t>
+            </a:r>
+            <a:endParaRPr lang="ru-RU" sz="6000" dirty="0"/>
+          </a:p>
+        </p:txBody>
+      </p:sp>
     </p:spTree>
     <p:extLst>
       <p:ext uri="{BB962C8B-B14F-4D97-AF65-F5344CB8AC3E}">
@@ -10931,141 +10935,6 @@
   <p:clrMapOvr>
     <a:masterClrMapping/>
   </p:clrMapOvr>
-  <p:timing>
-    <p:tnLst>
-      <p:par>
-        <p:cTn id="1" dur="indefinite" restart="never" nodeType="tmRoot">
-          <p:childTnLst>
-            <p:seq concurrent="1" nextAc="seek">
-              <p:cTn id="2" dur="indefinite" nodeType="mainSeq">
-                <p:childTnLst>
-                  <p:par>
-                    <p:cTn id="3" fill="hold">
-                      <p:stCondLst>
-                        <p:cond delay="indefinite"/>
-                      </p:stCondLst>
-                      <p:childTnLst>
-                        <p:par>
-                          <p:cTn id="4" fill="hold">
-                            <p:stCondLst>
-                              <p:cond delay="0"/>
-                            </p:stCondLst>
-                            <p:childTnLst>
-                              <p:par>
-                                <p:cTn id="5" presetID="1" presetClass="mediacall" presetSubtype="0" fill="hold" nodeType="clickEffect">
-                                  <p:stCondLst>
-                                    <p:cond delay="0"/>
-                                  </p:stCondLst>
-                                  <p:childTnLst>
-                                    <p:cmd type="call" cmd="playFrom(0.0)">
-                                      <p:cBhvr>
-                                        <p:cTn id="6" dur="1" fill="hold"/>
-                                        <p:tgtEl>
-                                          <p:spTgt spid="7"/>
-                                        </p:tgtEl>
-                                      </p:cBhvr>
-                                    </p:cmd>
-                                  </p:childTnLst>
-                                </p:cTn>
-                              </p:par>
-                            </p:childTnLst>
-                          </p:cTn>
-                        </p:par>
-                      </p:childTnLst>
-                    </p:cTn>
-                  </p:par>
-                </p:childTnLst>
-              </p:cTn>
-              <p:prevCondLst>
-                <p:cond evt="onPrev" delay="0">
-                  <p:tgtEl>
-                    <p:sldTgt/>
-                  </p:tgtEl>
-                </p:cond>
-              </p:prevCondLst>
-              <p:nextCondLst>
-                <p:cond evt="onNext" delay="0">
-                  <p:tgtEl>
-                    <p:sldTgt/>
-                  </p:tgtEl>
-                </p:cond>
-              </p:nextCondLst>
-            </p:seq>
-            <p:video>
-              <p:cMediaNode vol="80000">
-                <p:cTn id="7" fill="hold" display="0">
-                  <p:stCondLst>
-                    <p:cond delay="indefinite"/>
-                  </p:stCondLst>
-                </p:cTn>
-                <p:tgtEl>
-                  <p:spTgt spid="7"/>
-                </p:tgtEl>
-              </p:cMediaNode>
-            </p:video>
-            <p:seq concurrent="1" nextAc="seek">
-              <p:cTn id="8" restart="whenNotActive" fill="hold" evtFilter="cancelBubble" nodeType="interactiveSeq">
-                <p:stCondLst>
-                  <p:cond evt="onClick" delay="0">
-                    <p:tgtEl>
-                      <p:spTgt spid="7"/>
-                    </p:tgtEl>
-                  </p:cond>
-                </p:stCondLst>
-                <p:endSync evt="end" delay="0">
-                  <p:rtn val="all"/>
-                </p:endSync>
-                <p:childTnLst>
-                  <p:par>
-                    <p:cTn id="9" fill="hold">
-                      <p:stCondLst>
-                        <p:cond delay="0"/>
-                      </p:stCondLst>
-                      <p:childTnLst>
-                        <p:par>
-                          <p:cTn id="10" fill="hold">
-                            <p:stCondLst>
-                              <p:cond delay="0"/>
-                            </p:stCondLst>
-                            <p:childTnLst>
-                              <p:par>
-                                <p:cTn id="11" presetID="2" presetClass="mediacall" presetSubtype="0" fill="hold" nodeType="clickEffect">
-                                  <p:stCondLst>
-                                    <p:cond delay="0"/>
-                                  </p:stCondLst>
-                                  <p:childTnLst>
-                                    <p:cmd type="call" cmd="togglePause">
-                                      <p:cBhvr>
-                                        <p:cTn id="12" dur="1" fill="hold"/>
-                                        <p:tgtEl>
-                                          <p:spTgt spid="7"/>
-                                        </p:tgtEl>
-                                      </p:cBhvr>
-                                    </p:cmd>
-                                  </p:childTnLst>
-                                </p:cTn>
-                              </p:par>
-                            </p:childTnLst>
-                          </p:cTn>
-                        </p:par>
-                      </p:childTnLst>
-                    </p:cTn>
-                  </p:par>
-                </p:childTnLst>
-              </p:cTn>
-              <p:nextCondLst>
-                <p:cond evt="onClick" delay="0">
-                  <p:tgtEl>
-                    <p:spTgt spid="7"/>
-                  </p:tgtEl>
-                </p:cond>
-              </p:nextCondLst>
-            </p:seq>
-          </p:childTnLst>
-        </p:cTn>
-      </p:par>
-    </p:tnLst>
-  </p:timing>
 </p:sld>
 </file>
 
@@ -11103,7 +10972,15 @@
           <a:p>
             <a:r>
               <a:rPr lang="ru-RU" dirty="0"/>
-              <a:t>Ссылка на игру, а также на загрузчик.</a:t>
+              <a:t>Ссылка на игру, а также на загрузчик 3</a:t>
+            </a:r>
+            <a:r>
+              <a:rPr lang="en-US" dirty="0"/>
+              <a:t>D </a:t>
+            </a:r>
+            <a:r>
+              <a:rPr lang="ru-RU" dirty="0"/>
+              <a:t>моделей.</a:t>
             </a:r>
           </a:p>
         </p:txBody>
